--- a/D-study.pptx
+++ b/D-study.pptx
@@ -9,7 +9,8 @@
     <p:sldId id="261" r:id="rId3"/>
     <p:sldId id="257" r:id="rId4"/>
     <p:sldId id="262" r:id="rId5"/>
-    <p:sldId id="263" r:id="rId6"/>
+    <p:sldId id="264" r:id="rId6"/>
+    <p:sldId id="263" r:id="rId7"/>
   </p:sldIdLst>
   <p:sldSz cx="12192000" cy="6858000"/>
   <p:notesSz cx="6858000" cy="9144000"/>
@@ -14047,11 +14048,11 @@
   <p:clrMapOvr>
     <a:masterClrMapping/>
   </p:clrMapOvr>
-  <mc:AlternateContent xmlns:mc="http://schemas.openxmlformats.org/markup-compatibility/2006">
-    <mc:Choice xmlns:p14="http://schemas.microsoft.com/office/powerpoint/2010/main" Requires="p14">
+  <mc:AlternateContent xmlns:mc="http://schemas.openxmlformats.org/markup-compatibility/2006" xmlns:p14="http://schemas.microsoft.com/office/powerpoint/2010/main">
+    <mc:Choice Requires="p14">
       <p:transition spd="slow" p14:dur="2000" advClick="0"/>
     </mc:Choice>
-    <mc:Fallback>
+    <mc:Fallback xmlns="">
       <p:transition spd="slow" advClick="0"/>
     </mc:Fallback>
   </mc:AlternateContent>
@@ -14714,11 +14715,11 @@
   <p:clrMapOvr>
     <a:masterClrMapping/>
   </p:clrMapOvr>
-  <mc:AlternateContent xmlns:mc="http://schemas.openxmlformats.org/markup-compatibility/2006">
-    <mc:Choice xmlns:p14="http://schemas.microsoft.com/office/powerpoint/2010/main" Requires="p14">
+  <mc:AlternateContent xmlns:mc="http://schemas.openxmlformats.org/markup-compatibility/2006" xmlns:p14="http://schemas.microsoft.com/office/powerpoint/2010/main">
+    <mc:Choice Requires="p14">
       <p:transition spd="slow" p14:dur="2000" advClick="0" advTm="1000"/>
     </mc:Choice>
-    <mc:Fallback>
+    <mc:Fallback xmlns="">
       <p:transition spd="slow" advClick="0" advTm="1000"/>
     </mc:Fallback>
   </mc:AlternateContent>
@@ -15242,8 +15243,8 @@
         </p:nvSpPr>
         <p:spPr>
           <a:xfrm>
-            <a:off x="4750826" y="4896058"/>
-            <a:ext cx="2709396" cy="338554"/>
+            <a:off x="5110704" y="4896058"/>
+            <a:ext cx="1989647" cy="338554"/>
           </a:xfrm>
           <a:prstGeom prst="rect">
             <a:avLst/>
@@ -15264,7 +15265,7 @@
                 </a:solidFill>
                 <a:latin typeface="Determination Mono(RUS BY LYAJK" pitchFamily="2" charset="0"/>
               </a:rPr>
-              <a:t>И что такое морской бой?</a:t>
+              <a:t>Выиграть конечно.</a:t>
             </a:r>
             <a:endParaRPr lang="ru-RU" sz="1600" dirty="0">
               <a:solidFill>
@@ -15294,15 +15295,22 @@
         <p:cTn id="1" dur="indefinite" restart="never" nodeType="tmRoot">
           <p:childTnLst>
             <p:seq concurrent="1" nextAc="seek">
-              <p:cTn id="2" dur="indefinite" nodeType="mainSeq">
+              <p:cTn id="2" restart="whenNotActive" fill="hold" evtFilter="cancelBubble" nodeType="interactiveSeq">
+                <p:stCondLst>
+                  <p:cond evt="onClick" delay="0">
+                    <p:tgtEl>
+                      <p:spTgt spid="9"/>
+                    </p:tgtEl>
+                  </p:cond>
+                </p:stCondLst>
+                <p:endSync evt="end" delay="0">
+                  <p:rtn val="all"/>
+                </p:endSync>
                 <p:childTnLst>
                   <p:par>
                     <p:cTn id="3" fill="hold">
                       <p:stCondLst>
-                        <p:cond delay="indefinite"/>
-                        <p:cond evt="onBegin" delay="0">
-                          <p:tn val="2"/>
-                        </p:cond>
+                        <p:cond delay="0"/>
                       </p:stCondLst>
                       <p:childTnLst>
                         <p:par>
@@ -15312,9 +15320,9 @@
                             </p:stCondLst>
                             <p:childTnLst>
                               <p:par>
-                                <p:cTn id="5" presetID="14" presetClass="entr" presetSubtype="10" fill="hold" nodeType="afterEffect">
+                                <p:cTn id="5" presetID="14" presetClass="entr" presetSubtype="10" fill="hold" nodeType="clickEffect">
                                   <p:stCondLst>
-                                    <p:cond delay="1500"/>
+                                    <p:cond delay="0"/>
                                   </p:stCondLst>
                                   <p:childTnLst>
                                     <p:set>
@@ -15352,7 +15360,7 @@
                         <p:par>
                           <p:cTn id="8" fill="hold">
                             <p:stCondLst>
-                              <p:cond delay="2250"/>
+                              <p:cond delay="750"/>
                             </p:stCondLst>
                             <p:childTnLst>
                               <p:par>
@@ -15390,6 +15398,76 @@
                                   </p:childTnLst>
                                 </p:cTn>
                               </p:par>
+                              <p:par>
+                                <p:cTn id="12" presetID="10" presetClass="entr" presetSubtype="0" fill="hold" nodeType="withEffect">
+                                  <p:stCondLst>
+                                    <p:cond delay="0"/>
+                                  </p:stCondLst>
+                                  <p:childTnLst>
+                                    <p:set>
+                                      <p:cBhvr>
+                                        <p:cTn id="13" dur="1" fill="hold">
+                                          <p:stCondLst>
+                                            <p:cond delay="0"/>
+                                          </p:stCondLst>
+                                        </p:cTn>
+                                        <p:tgtEl>
+                                          <p:spTgt spid="5"/>
+                                        </p:tgtEl>
+                                        <p:attrNameLst>
+                                          <p:attrName>style.visibility</p:attrName>
+                                        </p:attrNameLst>
+                                      </p:cBhvr>
+                                      <p:to>
+                                        <p:strVal val="visible"/>
+                                      </p:to>
+                                    </p:set>
+                                    <p:animEffect transition="in" filter="fade">
+                                      <p:cBhvr>
+                                        <p:cTn id="14" dur="500"/>
+                                        <p:tgtEl>
+                                          <p:spTgt spid="5"/>
+                                        </p:tgtEl>
+                                      </p:cBhvr>
+                                    </p:animEffect>
+                                  </p:childTnLst>
+                                </p:cTn>
+                              </p:par>
+                              <p:par>
+                                <p:cTn id="15" presetID="10" presetClass="entr" presetSubtype="0" fill="hold" grpId="0" nodeType="withEffect">
+                                  <p:stCondLst>
+                                    <p:cond delay="0"/>
+                                  </p:stCondLst>
+                                  <p:childTnLst>
+                                    <p:set>
+                                      <p:cBhvr>
+                                        <p:cTn id="16" dur="1" fill="hold">
+                                          <p:stCondLst>
+                                            <p:cond delay="0"/>
+                                          </p:stCondLst>
+                                        </p:cTn>
+                                        <p:tgtEl>
+                                          <p:spTgt spid="20"/>
+                                        </p:tgtEl>
+                                        <p:attrNameLst>
+                                          <p:attrName>style.visibility</p:attrName>
+                                        </p:attrNameLst>
+                                      </p:cBhvr>
+                                      <p:to>
+                                        <p:strVal val="visible"/>
+                                      </p:to>
+                                    </p:set>
+                                    <p:animEffect transition="in" filter="fade">
+                                      <p:cBhvr>
+                                        <p:cTn id="17" dur="500"/>
+                                        <p:tgtEl>
+                                          <p:spTgt spid="20"/>
+                                        </p:tgtEl>
+                                      </p:cBhvr>
+                                    </p:animEffect>
+                                  </p:childTnLst>
+                                </p:cTn>
+                              </p:par>
                             </p:childTnLst>
                           </p:cTn>
                         </p:par>
@@ -15398,23 +15476,16 @@
                   </p:par>
                 </p:childTnLst>
               </p:cTn>
-              <p:prevCondLst>
-                <p:cond evt="onPrev" delay="0">
+              <p:nextCondLst>
+                <p:cond evt="onClick" delay="0">
                   <p:tgtEl>
-                    <p:sldTgt/>
-                  </p:tgtEl>
-                </p:cond>
-              </p:prevCondLst>
-              <p:nextCondLst>
-                <p:cond evt="onNext" delay="0">
-                  <p:tgtEl>
-                    <p:sldTgt/>
+                    <p:spTgt spid="9"/>
                   </p:tgtEl>
                 </p:cond>
               </p:nextCondLst>
             </p:seq>
             <p:seq concurrent="1" nextAc="seek">
-              <p:cTn id="12" restart="whenNotActive" fill="hold" evtFilter="cancelBubble" nodeType="interactiveSeq">
+              <p:cTn id="18" restart="whenNotActive" fill="hold" evtFilter="cancelBubble" nodeType="interactiveSeq">
                 <p:stCondLst>
                   <p:cond evt="onClick" delay="0">
                     <p:tgtEl>
@@ -15427,26 +15498,26 @@
                 </p:endSync>
                 <p:childTnLst>
                   <p:par>
-                    <p:cTn id="13" fill="hold">
+                    <p:cTn id="19" fill="hold">
                       <p:stCondLst>
                         <p:cond delay="0"/>
                       </p:stCondLst>
                       <p:childTnLst>
                         <p:par>
-                          <p:cTn id="14" fill="hold">
+                          <p:cTn id="20" fill="hold">
                             <p:stCondLst>
                               <p:cond delay="0"/>
                             </p:stCondLst>
                             <p:childTnLst>
                               <p:par>
-                                <p:cTn id="15" presetID="19" presetClass="emph" presetSubtype="0" fill="hold" grpId="0" nodeType="clickEffect">
+                                <p:cTn id="21" presetID="19" presetClass="emph" presetSubtype="0" fill="hold" grpId="0" nodeType="clickEffect">
                                   <p:stCondLst>
                                     <p:cond delay="0"/>
                                   </p:stCondLst>
                                   <p:childTnLst>
                                     <p:animClr clrSpc="rgb" dir="cw">
                                       <p:cBhvr override="childStyle">
-                                        <p:cTn id="16" dur="500" fill="hold"/>
+                                        <p:cTn id="22" dur="500" fill="hold"/>
                                         <p:tgtEl>
                                           <p:spTgt spid="13">
                                             <p:txEl>
@@ -15464,7 +15535,7 @@
                                     </p:animClr>
                                     <p:animClr clrSpc="rgb" dir="cw">
                                       <p:cBhvr>
-                                        <p:cTn id="17" dur="500" fill="hold"/>
+                                        <p:cTn id="23" dur="500" fill="hold"/>
                                         <p:tgtEl>
                                           <p:spTgt spid="13">
                                             <p:txEl>
@@ -15482,7 +15553,7 @@
                                     </p:animClr>
                                     <p:set>
                                       <p:cBhvr>
-                                        <p:cTn id="18" dur="500" fill="hold"/>
+                                        <p:cTn id="24" dur="500" fill="hold"/>
                                         <p:tgtEl>
                                           <p:spTgt spid="13">
                                             <p:txEl>
@@ -15500,7 +15571,7 @@
                                     </p:set>
                                     <p:set>
                                       <p:cBhvr>
-                                        <p:cTn id="19" dur="500" fill="hold"/>
+                                        <p:cTn id="25" dur="500" fill="hold"/>
                                         <p:tgtEl>
                                           <p:spTgt spid="13">
                                             <p:txEl>
@@ -15520,14 +15591,14 @@
                                 </p:cTn>
                               </p:par>
                               <p:par>
-                                <p:cTn id="20" presetID="10" presetClass="entr" presetSubtype="0" fill="hold" grpId="0" nodeType="withEffect">
+                                <p:cTn id="26" presetID="10" presetClass="entr" presetSubtype="0" fill="hold" grpId="0" nodeType="withEffect">
                                   <p:stCondLst>
                                     <p:cond delay="0"/>
                                   </p:stCondLst>
                                   <p:childTnLst>
                                     <p:set>
                                       <p:cBhvr>
-                                        <p:cTn id="21" dur="1" fill="hold">
+                                        <p:cTn id="27" dur="1" fill="hold">
                                           <p:stCondLst>
                                             <p:cond delay="0"/>
                                           </p:stCondLst>
@@ -15545,7 +15616,7 @@
                                     </p:set>
                                     <p:animEffect transition="in" filter="fade">
                                       <p:cBhvr>
-                                        <p:cTn id="22" dur="500"/>
+                                        <p:cTn id="28" dur="500"/>
                                         <p:tgtEl>
                                           <p:spTgt spid="18"/>
                                         </p:tgtEl>
@@ -15558,20 +15629,20 @@
                           </p:cTn>
                         </p:par>
                         <p:par>
-                          <p:cTn id="23" fill="hold">
+                          <p:cTn id="29" fill="hold">
                             <p:stCondLst>
                               <p:cond delay="500"/>
                             </p:stCondLst>
                             <p:childTnLst>
                               <p:par>
-                                <p:cTn id="24" presetID="10" presetClass="entr" presetSubtype="0" fill="hold" grpId="0" nodeType="afterEffect">
+                                <p:cTn id="30" presetID="10" presetClass="entr" presetSubtype="0" fill="hold" grpId="0" nodeType="afterEffect">
                                   <p:stCondLst>
                                     <p:cond delay="0"/>
                                   </p:stCondLst>
                                   <p:childTnLst>
                                     <p:set>
                                       <p:cBhvr>
-                                        <p:cTn id="25" dur="1" fill="hold">
+                                        <p:cTn id="31" dur="1" fill="hold">
                                           <p:stCondLst>
                                             <p:cond delay="0"/>
                                           </p:stCondLst>
@@ -15589,7 +15660,7 @@
                                     </p:set>
                                     <p:animEffect transition="in" filter="fade">
                                       <p:cBhvr>
-                                        <p:cTn id="26" dur="500"/>
+                                        <p:cTn id="32" dur="500"/>
                                         <p:tgtEl>
                                           <p:spTgt spid="22"/>
                                         </p:tgtEl>
@@ -15622,6 +15693,7 @@
       <p:bldP spid="18" grpId="0" animBg="1"/>
       <p:bldP spid="13" grpId="0" autoUpdateAnimBg="0"/>
       <p:bldP spid="13" grpId="1" animBg="1"/>
+      <p:bldP spid="20" grpId="0"/>
       <p:bldP spid="22" grpId="0"/>
     </p:bldLst>
   </p:timing>
@@ -15783,8 +15855,8 @@
         </p:nvSpPr>
         <p:spPr>
           <a:xfrm>
-            <a:off x="4271363" y="1351505"/>
-            <a:ext cx="3649270" cy="4154984"/>
+            <a:off x="3224574" y="1842245"/>
+            <a:ext cx="5978282" cy="3139321"/>
           </a:xfrm>
           <a:prstGeom prst="rect">
             <a:avLst/>
@@ -15809,11 +15881,17 @@
                 </a:solidFill>
                 <a:latin typeface="Comic Sans MS pixel rus eng" panose="00000400000000000000" pitchFamily="2" charset="0"/>
               </a:rPr>
-              <a:t>Режим турнира</a:t>
+              <a:t>Место </a:t>
             </a:r>
-          </a:p>
-          <a:p>
-            <a:pPr algn="ctr"/>
+            <a:r>
+              <a:rPr lang="ru-RU" sz="6600" dirty="0" err="1" smtClean="0">
+                <a:solidFill>
+                  <a:schemeClr val="bg1"/>
+                </a:solidFill>
+                <a:latin typeface="Comic Sans MS pixel rus eng" panose="00000400000000000000" pitchFamily="2" charset="0"/>
+              </a:rPr>
+              <a:t>геймификации</a:t>
+            </a:r>
             <a:r>
               <a:rPr lang="ru-RU" sz="6600" dirty="0" smtClean="0">
                 <a:solidFill>
@@ -15821,7 +15899,7 @@
                 </a:solidFill>
                 <a:latin typeface="Comic Sans MS pixel rus eng" panose="00000400000000000000" pitchFamily="2" charset="0"/>
               </a:rPr>
-              <a:t>и система очков.</a:t>
+              <a:t> в моём проекте</a:t>
             </a:r>
           </a:p>
         </p:txBody>
@@ -15976,8 +16054,8 @@
         </p:nvSpPr>
         <p:spPr>
           <a:xfrm>
-            <a:off x="4646723" y="5411239"/>
-            <a:ext cx="2898549" cy="338554"/>
+            <a:off x="3855640" y="4896056"/>
+            <a:ext cx="4480715" cy="338554"/>
           </a:xfrm>
           <a:prstGeom prst="rect">
             <a:avLst/>
@@ -15998,7 +16076,7 @@
                 </a:solidFill>
                 <a:latin typeface="Determination Mono(RUS BY LYAJK" pitchFamily="2" charset="0"/>
               </a:rPr>
-              <a:t>А так же как это работает</a:t>
+              <a:t>Этот слайд является приколом сам по себе</a:t>
             </a:r>
             <a:endParaRPr lang="ru-RU" sz="1600" dirty="0">
               <a:solidFill>
@@ -16009,10 +16087,732 @@
           </a:p>
         </p:txBody>
       </p:sp>
+      <p:sp>
+        <p:nvSpPr>
+          <p:cNvPr id="16" name="TextBox 15"/>
+          <p:cNvSpPr txBox="1"/>
+          <p:nvPr/>
+        </p:nvSpPr>
+        <p:spPr>
+          <a:xfrm>
+            <a:off x="3224574" y="1842245"/>
+            <a:ext cx="5978282" cy="3139321"/>
+          </a:xfrm>
+          <a:prstGeom prst="rect">
+            <a:avLst/>
+          </a:prstGeom>
+          <a:solidFill>
+            <a:srgbClr val="000000">
+              <a:alpha val="30196"/>
+            </a:srgbClr>
+          </a:solidFill>
+        </p:spPr>
+        <p:txBody>
+          <a:bodyPr wrap="square" rtlCol="0">
+            <a:spAutoFit/>
+          </a:bodyPr>
+          <a:lstStyle/>
+          <a:p>
+            <a:pPr algn="ctr"/>
+            <a:r>
+              <a:rPr lang="ru-RU" sz="6600" dirty="0" smtClean="0">
+                <a:solidFill>
+                  <a:srgbClr val="FF0000"/>
+                </a:solidFill>
+                <a:latin typeface="Comic Sans MS pixel rus eng" panose="00000400000000000000" pitchFamily="2" charset="0"/>
+              </a:rPr>
+              <a:t>Место </a:t>
+            </a:r>
+            <a:r>
+              <a:rPr lang="ru-RU" sz="6600" dirty="0" err="1" smtClean="0">
+                <a:solidFill>
+                  <a:srgbClr val="FF0000"/>
+                </a:solidFill>
+                <a:latin typeface="Comic Sans MS pixel rus eng" panose="00000400000000000000" pitchFamily="2" charset="0"/>
+              </a:rPr>
+              <a:t>геймификации</a:t>
+            </a:r>
+            <a:r>
+              <a:rPr lang="ru-RU" sz="6600" dirty="0" smtClean="0">
+                <a:solidFill>
+                  <a:srgbClr val="FF0000"/>
+                </a:solidFill>
+                <a:latin typeface="Comic Sans MS pixel rus eng" panose="00000400000000000000" pitchFamily="2" charset="0"/>
+              </a:rPr>
+              <a:t> в нашем проекте</a:t>
+            </a:r>
+          </a:p>
+        </p:txBody>
+      </p:sp>
     </p:spTree>
     <p:extLst>
       <p:ext uri="{BB962C8B-B14F-4D97-AF65-F5344CB8AC3E}">
         <p14:creationId xmlns:p14="http://schemas.microsoft.com/office/powerpoint/2010/main" val="3616082768"/>
+      </p:ext>
+    </p:extLst>
+  </p:cSld>
+  <p:clrMapOvr>
+    <a:masterClrMapping/>
+  </p:clrMapOvr>
+  <p:transition spd="slow" advClick="0">
+    <p:dissolve/>
+  </p:transition>
+  <p:timing>
+    <p:tnLst>
+      <p:par>
+        <p:cTn id="1" dur="indefinite" restart="never" nodeType="tmRoot">
+          <p:childTnLst>
+            <p:seq concurrent="1" nextAc="seek">
+              <p:cTn id="2" restart="whenNotActive" fill="hold" evtFilter="cancelBubble" nodeType="interactiveSeq">
+                <p:stCondLst>
+                  <p:cond evt="onClick" delay="0">
+                    <p:tgtEl>
+                      <p:spTgt spid="4"/>
+                    </p:tgtEl>
+                  </p:cond>
+                </p:stCondLst>
+                <p:endSync evt="end" delay="0">
+                  <p:rtn val="all"/>
+                </p:endSync>
+                <p:childTnLst>
+                  <p:par>
+                    <p:cTn id="3" fill="hold">
+                      <p:stCondLst>
+                        <p:cond delay="0"/>
+                      </p:stCondLst>
+                      <p:childTnLst>
+                        <p:par>
+                          <p:cTn id="4" fill="hold">
+                            <p:stCondLst>
+                              <p:cond delay="0"/>
+                            </p:stCondLst>
+                            <p:childTnLst>
+                              <p:par>
+                                <p:cTn id="5" presetID="10" presetClass="exit" presetSubtype="0" fill="hold" grpId="1" nodeType="clickEffect">
+                                  <p:stCondLst>
+                                    <p:cond delay="0"/>
+                                  </p:stCondLst>
+                                  <p:childTnLst>
+                                    <p:animEffect transition="out" filter="fade">
+                                      <p:cBhvr>
+                                        <p:cTn id="6" dur="500"/>
+                                        <p:tgtEl>
+                                          <p:spTgt spid="4"/>
+                                        </p:tgtEl>
+                                      </p:cBhvr>
+                                    </p:animEffect>
+                                    <p:set>
+                                      <p:cBhvr>
+                                        <p:cTn id="7" dur="1" fill="hold">
+                                          <p:stCondLst>
+                                            <p:cond delay="499"/>
+                                          </p:stCondLst>
+                                        </p:cTn>
+                                        <p:tgtEl>
+                                          <p:spTgt spid="4"/>
+                                        </p:tgtEl>
+                                        <p:attrNameLst>
+                                          <p:attrName>style.visibility</p:attrName>
+                                        </p:attrNameLst>
+                                      </p:cBhvr>
+                                      <p:to>
+                                        <p:strVal val="hidden"/>
+                                      </p:to>
+                                    </p:set>
+                                  </p:childTnLst>
+                                </p:cTn>
+                              </p:par>
+                              <p:par>
+                                <p:cTn id="8" presetID="10" presetClass="entr" presetSubtype="0" fill="hold" grpId="0" nodeType="withEffect">
+                                  <p:stCondLst>
+                                    <p:cond delay="0"/>
+                                  </p:stCondLst>
+                                  <p:childTnLst>
+                                    <p:set>
+                                      <p:cBhvr>
+                                        <p:cTn id="9" dur="1" fill="hold">
+                                          <p:stCondLst>
+                                            <p:cond delay="0"/>
+                                          </p:stCondLst>
+                                        </p:cTn>
+                                        <p:tgtEl>
+                                          <p:spTgt spid="16"/>
+                                        </p:tgtEl>
+                                        <p:attrNameLst>
+                                          <p:attrName>style.visibility</p:attrName>
+                                        </p:attrNameLst>
+                                      </p:cBhvr>
+                                      <p:to>
+                                        <p:strVal val="visible"/>
+                                      </p:to>
+                                    </p:set>
+                                    <p:animEffect transition="in" filter="fade">
+                                      <p:cBhvr>
+                                        <p:cTn id="10" dur="500"/>
+                                        <p:tgtEl>
+                                          <p:spTgt spid="16"/>
+                                        </p:tgtEl>
+                                      </p:cBhvr>
+                                    </p:animEffect>
+                                  </p:childTnLst>
+                                </p:cTn>
+                              </p:par>
+                              <p:par>
+                                <p:cTn id="11" presetID="10" presetClass="entr" presetSubtype="0" fill="hold" grpId="0" nodeType="withEffect">
+                                  <p:stCondLst>
+                                    <p:cond delay="0"/>
+                                  </p:stCondLst>
+                                  <p:childTnLst>
+                                    <p:set>
+                                      <p:cBhvr>
+                                        <p:cTn id="12" dur="1" fill="hold">
+                                          <p:stCondLst>
+                                            <p:cond delay="0"/>
+                                          </p:stCondLst>
+                                        </p:cTn>
+                                        <p:tgtEl>
+                                          <p:spTgt spid="12"/>
+                                        </p:tgtEl>
+                                        <p:attrNameLst>
+                                          <p:attrName>style.visibility</p:attrName>
+                                        </p:attrNameLst>
+                                      </p:cBhvr>
+                                      <p:to>
+                                        <p:strVal val="visible"/>
+                                      </p:to>
+                                    </p:set>
+                                    <p:animEffect transition="in" filter="fade">
+                                      <p:cBhvr>
+                                        <p:cTn id="13" dur="750"/>
+                                        <p:tgtEl>
+                                          <p:spTgt spid="12"/>
+                                        </p:tgtEl>
+                                      </p:cBhvr>
+                                    </p:animEffect>
+                                  </p:childTnLst>
+                                </p:cTn>
+                              </p:par>
+                            </p:childTnLst>
+                          </p:cTn>
+                        </p:par>
+                        <p:par>
+                          <p:cTn id="14" fill="hold">
+                            <p:stCondLst>
+                              <p:cond delay="750"/>
+                            </p:stCondLst>
+                            <p:childTnLst>
+                              <p:par>
+                                <p:cTn id="15" presetID="10" presetClass="entr" presetSubtype="0" fill="hold" grpId="0" nodeType="afterEffect">
+                                  <p:stCondLst>
+                                    <p:cond delay="0"/>
+                                  </p:stCondLst>
+                                  <p:childTnLst>
+                                    <p:set>
+                                      <p:cBhvr>
+                                        <p:cTn id="16" dur="1" fill="hold">
+                                          <p:stCondLst>
+                                            <p:cond delay="0"/>
+                                          </p:stCondLst>
+                                        </p:cTn>
+                                        <p:tgtEl>
+                                          <p:spTgt spid="15"/>
+                                        </p:tgtEl>
+                                        <p:attrNameLst>
+                                          <p:attrName>style.visibility</p:attrName>
+                                        </p:attrNameLst>
+                                      </p:cBhvr>
+                                      <p:to>
+                                        <p:strVal val="visible"/>
+                                      </p:to>
+                                    </p:set>
+                                    <p:animEffect transition="in" filter="fade">
+                                      <p:cBhvr>
+                                        <p:cTn id="17" dur="500"/>
+                                        <p:tgtEl>
+                                          <p:spTgt spid="15"/>
+                                        </p:tgtEl>
+                                      </p:cBhvr>
+                                    </p:animEffect>
+                                  </p:childTnLst>
+                                </p:cTn>
+                              </p:par>
+                            </p:childTnLst>
+                          </p:cTn>
+                        </p:par>
+                      </p:childTnLst>
+                    </p:cTn>
+                  </p:par>
+                </p:childTnLst>
+              </p:cTn>
+              <p:nextCondLst>
+                <p:cond evt="onClick" delay="0">
+                  <p:tgtEl>
+                    <p:spTgt spid="4"/>
+                  </p:tgtEl>
+                </p:cond>
+              </p:nextCondLst>
+            </p:seq>
+          </p:childTnLst>
+        </p:cTn>
+      </p:par>
+    </p:tnLst>
+    <p:bldLst>
+      <p:bldP spid="12" grpId="0" animBg="1"/>
+      <p:bldP spid="4" grpId="1" animBg="1"/>
+      <p:bldP spid="15" grpId="0"/>
+      <p:bldP spid="16" grpId="0" animBg="1"/>
+    </p:bldLst>
+  </p:timing>
+</p:sld>
+</file>
+
+<file path=ppt/slides/slide5.xml><?xml version="1.0" encoding="utf-8"?>
+<p:sld xmlns:a="http://schemas.openxmlformats.org/drawingml/2006/main" xmlns:r="http://schemas.openxmlformats.org/officeDocument/2006/relationships" xmlns:p="http://schemas.openxmlformats.org/presentationml/2006/main">
+  <p:cSld>
+    <p:spTree>
+      <p:nvGrpSpPr>
+        <p:cNvPr id="1" name=""/>
+        <p:cNvGrpSpPr/>
+        <p:nvPr/>
+      </p:nvGrpSpPr>
+      <p:grpSpPr>
+        <a:xfrm>
+          <a:off x="0" y="0"/>
+          <a:ext cx="0" cy="0"/>
+          <a:chOff x="0" y="0"/>
+          <a:chExt cx="0" cy="0"/>
+        </a:xfrm>
+      </p:grpSpPr>
+      <p:pic>
+        <p:nvPicPr>
+          <p:cNvPr id="2" name="Рисунок 1"/>
+          <p:cNvPicPr>
+            <a:picLocks noChangeAspect="1"/>
+          </p:cNvPicPr>
+          <p:nvPr/>
+        </p:nvPicPr>
+        <p:blipFill>
+          <a:blip r:embed="rId2" cstate="print">
+            <a:extLst>
+              <a:ext uri="{28A0092B-C50C-407E-A947-70E740481C1C}">
+                <a14:useLocalDpi xmlns:a14="http://schemas.microsoft.com/office/drawing/2010/main" val="0"/>
+              </a:ext>
+            </a:extLst>
+          </a:blip>
+          <a:stretch>
+            <a:fillRect/>
+          </a:stretch>
+        </p:blipFill>
+        <p:spPr>
+          <a:xfrm>
+            <a:off x="0" y="0"/>
+            <a:ext cx="12191999" cy="6857999"/>
+          </a:xfrm>
+          <a:prstGeom prst="rect">
+            <a:avLst/>
+          </a:prstGeom>
+        </p:spPr>
+      </p:pic>
+      <p:sp>
+        <p:nvSpPr>
+          <p:cNvPr id="3" name="Прямоугольник 2"/>
+          <p:cNvSpPr/>
+          <p:nvPr/>
+        </p:nvSpPr>
+        <p:spPr>
+          <a:xfrm>
+            <a:off x="-1" y="-1"/>
+            <a:ext cx="12191999" cy="6857999"/>
+          </a:xfrm>
+          <a:prstGeom prst="rect">
+            <a:avLst/>
+          </a:prstGeom>
+          <a:solidFill>
+            <a:srgbClr val="000000">
+              <a:alpha val="45098"/>
+            </a:srgbClr>
+          </a:solidFill>
+          <a:ln>
+            <a:solidFill>
+              <a:srgbClr val="000000"/>
+            </a:solidFill>
+          </a:ln>
+        </p:spPr>
+        <p:style>
+          <a:lnRef idx="2">
+            <a:schemeClr val="accent1">
+              <a:shade val="50000"/>
+            </a:schemeClr>
+          </a:lnRef>
+          <a:fillRef idx="1">
+            <a:schemeClr val="accent1"/>
+          </a:fillRef>
+          <a:effectRef idx="0">
+            <a:schemeClr val="accent1"/>
+          </a:effectRef>
+          <a:fontRef idx="minor">
+            <a:schemeClr val="lt1"/>
+          </a:fontRef>
+        </p:style>
+        <p:txBody>
+          <a:bodyPr rtlCol="0" anchor="ctr"/>
+          <a:lstStyle/>
+          <a:p>
+            <a:pPr algn="ctr"/>
+            <a:endParaRPr lang="ru-RU" dirty="0"/>
+          </a:p>
+        </p:txBody>
+      </p:sp>
+      <p:sp>
+        <p:nvSpPr>
+          <p:cNvPr id="12" name="Прямоугольник 11"/>
+          <p:cNvSpPr/>
+          <p:nvPr/>
+        </p:nvSpPr>
+        <p:spPr>
+          <a:xfrm>
+            <a:off x="1" y="-2"/>
+            <a:ext cx="12191999" cy="6857999"/>
+          </a:xfrm>
+          <a:prstGeom prst="rect">
+            <a:avLst/>
+          </a:prstGeom>
+          <a:solidFill>
+            <a:srgbClr val="000000">
+              <a:alpha val="45098"/>
+            </a:srgbClr>
+          </a:solidFill>
+          <a:ln>
+            <a:solidFill>
+              <a:srgbClr val="000000"/>
+            </a:solidFill>
+          </a:ln>
+        </p:spPr>
+        <p:style>
+          <a:lnRef idx="2">
+            <a:schemeClr val="accent1">
+              <a:shade val="50000"/>
+            </a:schemeClr>
+          </a:lnRef>
+          <a:fillRef idx="1">
+            <a:schemeClr val="accent1"/>
+          </a:fillRef>
+          <a:effectRef idx="0">
+            <a:schemeClr val="accent1"/>
+          </a:effectRef>
+          <a:fontRef idx="minor">
+            <a:schemeClr val="lt1"/>
+          </a:fontRef>
+        </p:style>
+        <p:txBody>
+          <a:bodyPr rtlCol="0" anchor="ctr"/>
+          <a:lstStyle/>
+          <a:p>
+            <a:pPr algn="ctr"/>
+            <a:endParaRPr lang="ru-RU" dirty="0"/>
+          </a:p>
+        </p:txBody>
+      </p:sp>
+      <p:sp>
+        <p:nvSpPr>
+          <p:cNvPr id="16" name="Прямоугольник 15"/>
+          <p:cNvSpPr/>
+          <p:nvPr/>
+        </p:nvSpPr>
+        <p:spPr>
+          <a:xfrm>
+            <a:off x="1" y="1"/>
+            <a:ext cx="12191999" cy="6857999"/>
+          </a:xfrm>
+          <a:prstGeom prst="rect">
+            <a:avLst/>
+          </a:prstGeom>
+          <a:solidFill>
+            <a:srgbClr val="000000">
+              <a:alpha val="45098"/>
+            </a:srgbClr>
+          </a:solidFill>
+          <a:ln>
+            <a:solidFill>
+              <a:srgbClr val="000000"/>
+            </a:solidFill>
+          </a:ln>
+        </p:spPr>
+        <p:style>
+          <a:lnRef idx="2">
+            <a:schemeClr val="accent1">
+              <a:shade val="50000"/>
+            </a:schemeClr>
+          </a:lnRef>
+          <a:fillRef idx="1">
+            <a:schemeClr val="accent1"/>
+          </a:fillRef>
+          <a:effectRef idx="0">
+            <a:schemeClr val="accent1"/>
+          </a:effectRef>
+          <a:fontRef idx="minor">
+            <a:schemeClr val="lt1"/>
+          </a:fontRef>
+        </p:style>
+        <p:txBody>
+          <a:bodyPr rtlCol="0" anchor="ctr"/>
+          <a:lstStyle/>
+          <a:p>
+            <a:pPr algn="ctr"/>
+            <a:endParaRPr lang="ru-RU" dirty="0"/>
+          </a:p>
+        </p:txBody>
+      </p:sp>
+      <p:sp>
+        <p:nvSpPr>
+          <p:cNvPr id="4" name="TextBox 3"/>
+          <p:cNvSpPr txBox="1"/>
+          <p:nvPr/>
+        </p:nvSpPr>
+        <p:spPr>
+          <a:xfrm>
+            <a:off x="4271363" y="1351505"/>
+            <a:ext cx="3649270" cy="4154984"/>
+          </a:xfrm>
+          <a:prstGeom prst="rect">
+            <a:avLst/>
+          </a:prstGeom>
+          <a:solidFill>
+            <a:srgbClr val="000000">
+              <a:alpha val="30196"/>
+            </a:srgbClr>
+          </a:solidFill>
+        </p:spPr>
+        <p:txBody>
+          <a:bodyPr wrap="square" rtlCol="0">
+            <a:spAutoFit/>
+          </a:bodyPr>
+          <a:lstStyle/>
+          <a:p>
+            <a:pPr algn="ctr"/>
+            <a:r>
+              <a:rPr lang="ru-RU" sz="6600" dirty="0" smtClean="0">
+                <a:solidFill>
+                  <a:schemeClr val="bg1"/>
+                </a:solidFill>
+                <a:latin typeface="Comic Sans MS pixel rus eng" panose="00000400000000000000" pitchFamily="2" charset="0"/>
+              </a:rPr>
+              <a:t>Игровая механика, и </a:t>
+            </a:r>
+            <a:r>
+              <a:rPr lang="ru-RU" sz="6600" dirty="0" err="1" smtClean="0">
+                <a:solidFill>
+                  <a:schemeClr val="bg1"/>
+                </a:solidFill>
+                <a:latin typeface="Comic Sans MS pixel rus eng" panose="00000400000000000000" pitchFamily="2" charset="0"/>
+              </a:rPr>
+              <a:t>сестема</a:t>
+            </a:r>
+            <a:r>
+              <a:rPr lang="ru-RU" sz="6600" dirty="0" smtClean="0">
+                <a:solidFill>
+                  <a:schemeClr val="bg1"/>
+                </a:solidFill>
+                <a:latin typeface="Comic Sans MS pixel rus eng" panose="00000400000000000000" pitchFamily="2" charset="0"/>
+              </a:rPr>
+              <a:t> очков</a:t>
+            </a:r>
+            <a:endParaRPr lang="ru-RU" sz="6600" dirty="0" smtClean="0">
+              <a:solidFill>
+                <a:schemeClr val="bg1"/>
+              </a:solidFill>
+              <a:latin typeface="Comic Sans MS pixel rus eng" panose="00000400000000000000" pitchFamily="2" charset="0"/>
+            </a:endParaRPr>
+          </a:p>
+        </p:txBody>
+      </p:sp>
+      <p:pic>
+        <p:nvPicPr>
+          <p:cNvPr id="10" name="Рисунок 9">
+            <a:hlinkClick r:id="rId3" action="ppaction://hlinksldjump"/>
+          </p:cNvPr>
+          <p:cNvPicPr>
+            <a:picLocks noChangeAspect="1"/>
+          </p:cNvPicPr>
+          <p:nvPr/>
+        </p:nvPicPr>
+        <p:blipFill>
+          <a:blip r:embed="rId4">
+            <a:extLst>
+              <a:ext uri="{28A0092B-C50C-407E-A947-70E740481C1C}">
+                <a14:useLocalDpi xmlns:a14="http://schemas.microsoft.com/office/drawing/2010/main" val="0"/>
+              </a:ext>
+            </a:extLst>
+          </a:blip>
+          <a:stretch>
+            <a:fillRect/>
+          </a:stretch>
+        </p:blipFill>
+        <p:spPr>
+          <a:xfrm>
+            <a:off x="11777663" y="6372225"/>
+            <a:ext cx="323849" cy="323849"/>
+          </a:xfrm>
+          <a:prstGeom prst="rect">
+            <a:avLst/>
+          </a:prstGeom>
+        </p:spPr>
+      </p:pic>
+      <p:sp>
+        <p:nvSpPr>
+          <p:cNvPr id="11" name="TextBox 10"/>
+          <p:cNvSpPr txBox="1"/>
+          <p:nvPr/>
+        </p:nvSpPr>
+        <p:spPr>
+          <a:xfrm>
+            <a:off x="11681925" y="6110615"/>
+            <a:ext cx="510075" cy="261610"/>
+          </a:xfrm>
+          <a:prstGeom prst="rect">
+            <a:avLst/>
+          </a:prstGeom>
+          <a:noFill/>
+        </p:spPr>
+        <p:txBody>
+          <a:bodyPr wrap="none" rtlCol="0">
+            <a:spAutoFit/>
+          </a:bodyPr>
+          <a:lstStyle/>
+          <a:p>
+            <a:pPr algn="ctr"/>
+            <a:r>
+              <a:rPr lang="en-US" sz="1100" dirty="0" smtClean="0">
+                <a:solidFill>
+                  <a:schemeClr val="bg1"/>
+                </a:solidFill>
+              </a:rPr>
+              <a:t>NEXT</a:t>
+            </a:r>
+            <a:endParaRPr lang="ru-RU" sz="1100" dirty="0">
+              <a:solidFill>
+                <a:schemeClr val="bg1"/>
+              </a:solidFill>
+            </a:endParaRPr>
+          </a:p>
+        </p:txBody>
+      </p:sp>
+      <p:pic>
+        <p:nvPicPr>
+          <p:cNvPr id="13" name="Рисунок 12">
+            <a:hlinkClick r:id="rId5" action="ppaction://hlinksldjump"/>
+          </p:cNvPr>
+          <p:cNvPicPr>
+            <a:picLocks noChangeAspect="1"/>
+          </p:cNvPicPr>
+          <p:nvPr/>
+        </p:nvPicPr>
+        <p:blipFill>
+          <a:blip r:embed="rId4">
+            <a:extLst>
+              <a:ext uri="{28A0092B-C50C-407E-A947-70E740481C1C}">
+                <a14:useLocalDpi xmlns:a14="http://schemas.microsoft.com/office/drawing/2010/main" val="0"/>
+              </a:ext>
+            </a:extLst>
+          </a:blip>
+          <a:stretch>
+            <a:fillRect/>
+          </a:stretch>
+        </p:blipFill>
+        <p:spPr>
+          <a:xfrm>
+            <a:off x="88583" y="6372225"/>
+            <a:ext cx="323849" cy="323849"/>
+          </a:xfrm>
+          <a:prstGeom prst="rect">
+            <a:avLst/>
+          </a:prstGeom>
+        </p:spPr>
+      </p:pic>
+      <p:sp>
+        <p:nvSpPr>
+          <p:cNvPr id="14" name="TextBox 13"/>
+          <p:cNvSpPr txBox="1"/>
+          <p:nvPr/>
+        </p:nvSpPr>
+        <p:spPr>
+          <a:xfrm>
+            <a:off x="0" y="6136900"/>
+            <a:ext cx="527709" cy="261610"/>
+          </a:xfrm>
+          <a:prstGeom prst="rect">
+            <a:avLst/>
+          </a:prstGeom>
+          <a:noFill/>
+        </p:spPr>
+        <p:txBody>
+          <a:bodyPr wrap="none" rtlCol="0">
+            <a:spAutoFit/>
+          </a:bodyPr>
+          <a:lstStyle/>
+          <a:p>
+            <a:pPr algn="ctr"/>
+            <a:r>
+              <a:rPr lang="en-US" sz="1100" dirty="0" smtClean="0">
+                <a:solidFill>
+                  <a:schemeClr val="bg1"/>
+                </a:solidFill>
+              </a:rPr>
+              <a:t>PREV</a:t>
+            </a:r>
+            <a:endParaRPr lang="ru-RU" sz="1100" dirty="0">
+              <a:solidFill>
+                <a:schemeClr val="bg1"/>
+              </a:solidFill>
+            </a:endParaRPr>
+          </a:p>
+        </p:txBody>
+      </p:sp>
+      <p:sp>
+        <p:nvSpPr>
+          <p:cNvPr id="15" name="TextBox 14"/>
+          <p:cNvSpPr txBox="1"/>
+          <p:nvPr/>
+        </p:nvSpPr>
+        <p:spPr>
+          <a:xfrm>
+            <a:off x="3523819" y="5429944"/>
+            <a:ext cx="5144358" cy="338554"/>
+          </a:xfrm>
+          <a:prstGeom prst="rect">
+            <a:avLst/>
+          </a:prstGeom>
+          <a:noFill/>
+        </p:spPr>
+        <p:txBody>
+          <a:bodyPr wrap="none" rtlCol="0">
+            <a:spAutoFit/>
+          </a:bodyPr>
+          <a:lstStyle/>
+          <a:p>
+            <a:pPr algn="ctr"/>
+            <a:r>
+              <a:rPr lang="ru-RU" sz="1600" dirty="0" smtClean="0">
+                <a:solidFill>
+                  <a:schemeClr val="bg1"/>
+                </a:solidFill>
+                <a:latin typeface="Determination Mono(RUS BY LYAJK" pitchFamily="2" charset="0"/>
+              </a:rPr>
+              <a:t>И турниров (написал сюда т.к. там места мало.)</a:t>
+            </a:r>
+            <a:endParaRPr lang="ru-RU" sz="1600" dirty="0">
+              <a:solidFill>
+                <a:schemeClr val="bg1"/>
+              </a:solidFill>
+              <a:latin typeface="Determination Mono(RUS BY LYAJK" pitchFamily="2" charset="0"/>
+            </a:endParaRPr>
+          </a:p>
+        </p:txBody>
+      </p:sp>
+    </p:spTree>
+    <p:extLst>
+      <p:ext uri="{BB962C8B-B14F-4D97-AF65-F5344CB8AC3E}">
+        <p14:creationId xmlns:p14="http://schemas.microsoft.com/office/powerpoint/2010/main" val="831111564"/>
       </p:ext>
     </p:extLst>
   </p:cSld>
@@ -16147,7 +16947,7 @@
                                           </p:stCondLst>
                                         </p:cTn>
                                         <p:tgtEl>
-                                          <p:spTgt spid="12"/>
+                                          <p:spTgt spid="16"/>
                                         </p:tgtEl>
                                         <p:attrNameLst>
                                           <p:attrName>style.visibility</p:attrName>
@@ -16161,7 +16961,7 @@
                                       <p:cBhvr>
                                         <p:cTn id="12" dur="750"/>
                                         <p:tgtEl>
-                                          <p:spTgt spid="12"/>
+                                          <p:spTgt spid="16"/>
                                         </p:tgtEl>
                                       </p:cBhvr>
                                     </p:animEffect>
@@ -16233,7 +17033,7 @@
       </p:par>
     </p:tnLst>
     <p:bldLst>
-      <p:bldP spid="12" grpId="0" animBg="1"/>
+      <p:bldP spid="16" grpId="0" animBg="1"/>
       <p:bldP spid="4" grpId="0" autoUpdateAnimBg="0"/>
       <p:bldP spid="15" grpId="0"/>
     </p:bldLst>
@@ -16241,7 +17041,7 @@
 </p:sld>
 </file>
 
-<file path=ppt/slides/slide5.xml><?xml version="1.0" encoding="utf-8"?>
+<file path=ppt/slides/slide6.xml><?xml version="1.0" encoding="utf-8"?>
 <p:sld xmlns:a="http://schemas.openxmlformats.org/drawingml/2006/main" xmlns:r="http://schemas.openxmlformats.org/officeDocument/2006/relationships" xmlns:p="http://schemas.openxmlformats.org/presentationml/2006/main">
   <p:cSld>
     <p:spTree>
@@ -16438,6 +17238,56 @@
           </a:p>
         </p:txBody>
       </p:sp>
+      <p:sp>
+        <p:nvSpPr>
+          <p:cNvPr id="9" name="Прямоугольник 8"/>
+          <p:cNvSpPr/>
+          <p:nvPr/>
+        </p:nvSpPr>
+        <p:spPr>
+          <a:xfrm>
+            <a:off x="1" y="1"/>
+            <a:ext cx="12191999" cy="6857999"/>
+          </a:xfrm>
+          <a:prstGeom prst="rect">
+            <a:avLst/>
+          </a:prstGeom>
+          <a:solidFill>
+            <a:srgbClr val="000000">
+              <a:alpha val="45098"/>
+            </a:srgbClr>
+          </a:solidFill>
+          <a:ln>
+            <a:solidFill>
+              <a:srgbClr val="000000"/>
+            </a:solidFill>
+          </a:ln>
+        </p:spPr>
+        <p:style>
+          <a:lnRef idx="2">
+            <a:schemeClr val="accent1">
+              <a:shade val="50000"/>
+            </a:schemeClr>
+          </a:lnRef>
+          <a:fillRef idx="1">
+            <a:schemeClr val="accent1"/>
+          </a:fillRef>
+          <a:effectRef idx="0">
+            <a:schemeClr val="accent1"/>
+          </a:effectRef>
+          <a:fontRef idx="minor">
+            <a:schemeClr val="lt1"/>
+          </a:fontRef>
+        </p:style>
+        <p:txBody>
+          <a:bodyPr rtlCol="0" anchor="ctr"/>
+          <a:lstStyle/>
+          <a:p>
+            <a:pPr algn="ctr"/>
+            <a:endParaRPr lang="ru-RU" dirty="0"/>
+          </a:p>
+        </p:txBody>
+      </p:sp>
       <p:pic>
         <p:nvPicPr>
           <p:cNvPr id="14" name="Рисунок 13">
@@ -16517,8 +17367,8 @@
         </p:nvSpPr>
         <p:spPr>
           <a:xfrm>
-            <a:off x="4271361" y="2367168"/>
-            <a:ext cx="3649270" cy="2123658"/>
+            <a:off x="4271361" y="2874999"/>
+            <a:ext cx="3649270" cy="1107996"/>
           </a:xfrm>
           <a:prstGeom prst="rect">
             <a:avLst/>
@@ -16543,8 +17393,82 @@
                 </a:solidFill>
                 <a:latin typeface="Comic Sans MS pixel rus eng" panose="00000400000000000000" pitchFamily="2" charset="0"/>
               </a:rPr>
-              <a:t>Что уже готово?</a:t>
+              <a:t>Итоги</a:t>
             </a:r>
+            <a:endParaRPr lang="ru-RU" sz="6600" dirty="0" smtClean="0">
+              <a:solidFill>
+                <a:schemeClr val="bg1"/>
+              </a:solidFill>
+              <a:latin typeface="Comic Sans MS pixel rus eng" panose="00000400000000000000" pitchFamily="2" charset="0"/>
+            </a:endParaRPr>
+          </a:p>
+        </p:txBody>
+      </p:sp>
+      <p:sp>
+        <p:nvSpPr>
+          <p:cNvPr id="10" name="TextBox 9"/>
+          <p:cNvSpPr txBox="1"/>
+          <p:nvPr/>
+        </p:nvSpPr>
+        <p:spPr>
+          <a:xfrm>
+            <a:off x="4568176" y="3899444"/>
+            <a:ext cx="3055645" cy="338554"/>
+          </a:xfrm>
+          <a:prstGeom prst="rect">
+            <a:avLst/>
+          </a:prstGeom>
+          <a:noFill/>
+        </p:spPr>
+        <p:txBody>
+          <a:bodyPr wrap="none" rtlCol="0">
+            <a:spAutoFit/>
+          </a:bodyPr>
+          <a:lstStyle/>
+          <a:p>
+            <a:pPr algn="ctr"/>
+            <a:r>
+              <a:rPr lang="ru-RU" sz="1600" dirty="0" smtClean="0">
+                <a:solidFill>
+                  <a:schemeClr val="bg1"/>
+                </a:solidFill>
+                <a:latin typeface="Determination Mono(RUS BY LYAJK" pitchFamily="2" charset="0"/>
+              </a:rPr>
+              <a:t>Надо было </a:t>
+            </a:r>
+            <a:r>
+              <a:rPr lang="ru-RU" sz="1600" dirty="0" err="1" smtClean="0">
+                <a:solidFill>
+                  <a:schemeClr val="bg1"/>
+                </a:solidFill>
+                <a:latin typeface="Determination Mono(RUS BY LYAJK" pitchFamily="2" charset="0"/>
+              </a:rPr>
+              <a:t>прогать</a:t>
+            </a:r>
+            <a:r>
+              <a:rPr lang="ru-RU" sz="1600" dirty="0" smtClean="0">
+                <a:solidFill>
+                  <a:schemeClr val="bg1"/>
+                </a:solidFill>
+                <a:latin typeface="Determination Mono(RUS BY LYAJK" pitchFamily="2" charset="0"/>
+              </a:rPr>
+              <a:t> на </a:t>
+            </a:r>
+            <a:r>
+              <a:rPr lang="en-US" sz="1600" dirty="0" err="1" smtClean="0">
+                <a:solidFill>
+                  <a:schemeClr val="bg1"/>
+                </a:solidFill>
+                <a:latin typeface="Determination Mono(RUS BY LYAJK" pitchFamily="2" charset="0"/>
+              </a:rPr>
+              <a:t>PyGame</a:t>
+            </a:r>
+            <a:endParaRPr lang="ru-RU" sz="1600" dirty="0">
+              <a:solidFill>
+                <a:schemeClr val="bg1"/>
+              </a:solidFill>
+              <a:latin typeface="Determination Mono(RUS BY LYAJK" pitchFamily="2" charset="0"/>
+            </a:endParaRPr>
           </a:p>
         </p:txBody>
       </p:sp>
@@ -16675,6 +17599,94 @@
                             </p:childTnLst>
                           </p:cTn>
                         </p:par>
+                        <p:par>
+                          <p:cTn id="10" fill="hold">
+                            <p:stCondLst>
+                              <p:cond delay="500"/>
+                            </p:stCondLst>
+                            <p:childTnLst>
+                              <p:par>
+                                <p:cTn id="11" presetID="10" presetClass="entr" presetSubtype="0" fill="hold" grpId="0" nodeType="afterEffect">
+                                  <p:stCondLst>
+                                    <p:cond delay="0"/>
+                                  </p:stCondLst>
+                                  <p:childTnLst>
+                                    <p:set>
+                                      <p:cBhvr>
+                                        <p:cTn id="12" dur="1" fill="hold">
+                                          <p:stCondLst>
+                                            <p:cond delay="0"/>
+                                          </p:stCondLst>
+                                        </p:cTn>
+                                        <p:tgtEl>
+                                          <p:spTgt spid="9"/>
+                                        </p:tgtEl>
+                                        <p:attrNameLst>
+                                          <p:attrName>style.visibility</p:attrName>
+                                        </p:attrNameLst>
+                                      </p:cBhvr>
+                                      <p:to>
+                                        <p:strVal val="visible"/>
+                                      </p:to>
+                                    </p:set>
+                                    <p:animEffect transition="in" filter="fade">
+                                      <p:cBhvr>
+                                        <p:cTn id="13" dur="500"/>
+                                        <p:tgtEl>
+                                          <p:spTgt spid="9"/>
+                                        </p:tgtEl>
+                                      </p:cBhvr>
+                                    </p:animEffect>
+                                  </p:childTnLst>
+                                </p:cTn>
+                              </p:par>
+                            </p:childTnLst>
+                          </p:cTn>
+                        </p:par>
+                        <p:par>
+                          <p:cTn id="14" fill="hold">
+                            <p:stCondLst>
+                              <p:cond delay="1000"/>
+                            </p:stCondLst>
+                            <p:childTnLst>
+                              <p:par>
+                                <p:cTn id="15" presetID="10" presetClass="entr" presetSubtype="0" fill="hold" grpId="0" nodeType="afterEffect">
+                                  <p:stCondLst>
+                                    <p:cond delay="0"/>
+                                  </p:stCondLst>
+                                  <p:childTnLst>
+                                    <p:set>
+                                      <p:cBhvr>
+                                        <p:cTn id="16" dur="1" fill="hold">
+                                          <p:stCondLst>
+                                            <p:cond delay="0"/>
+                                          </p:stCondLst>
+                                        </p:cTn>
+                                        <p:tgtEl>
+                                          <p:spTgt spid="10"/>
+                                        </p:tgtEl>
+                                        <p:attrNameLst>
+                                          <p:attrName>style.visibility</p:attrName>
+                                        </p:attrNameLst>
+                                      </p:cBhvr>
+                                      <p:to>
+                                        <p:strVal val="visible"/>
+                                      </p:to>
+                                    </p:set>
+                                    <p:animEffect transition="in" filter="fade">
+                                      <p:cBhvr>
+                                        <p:cTn id="17" dur="500"/>
+                                        <p:tgtEl>
+                                          <p:spTgt spid="10"/>
+                                        </p:tgtEl>
+                                      </p:cBhvr>
+                                    </p:animEffect>
+                                  </p:childTnLst>
+                                </p:cTn>
+                              </p:par>
+                            </p:childTnLst>
+                          </p:cTn>
+                        </p:par>
                       </p:childTnLst>
                     </p:cTn>
                   </p:par>
@@ -16693,7 +17705,9 @@
       </p:par>
     </p:tnLst>
     <p:bldLst>
+      <p:bldP spid="9" grpId="0" animBg="1"/>
       <p:bldP spid="16" grpId="0" autoUpdateAnimBg="0"/>
+      <p:bldP spid="10" grpId="0"/>
     </p:bldLst>
   </p:timing>
 </p:sld>
